--- a/doc/xamarin android.pptx
+++ b/doc/xamarin android.pptx
@@ -6535,14 +6535,10 @@
           <a:p>
             <a:r>
               <a:rPr lang="en-US" altLang="zh-CN" dirty="0" smtClean="0"/>
-              <a:t>Xamarin Native </a:t>
-            </a:r>
-            <a:r>
-              <a:rPr lang="en-US" altLang="zh-CN" smtClean="0"/>
-              <a:t>android </a:t>
-            </a:r>
-            <a:r>
-              <a:rPr lang="en-US" altLang="zh-CN"/>
+              <a:t>Xamarin Native android </a:t>
+            </a:r>
+            <a:r>
+              <a:rPr lang="en-US" altLang="zh-CN" dirty="0"/>
               <a:t>Develop practice</a:t>
             </a:r>
             <a:endParaRPr lang="zh-CN" altLang="en-US" dirty="0"/>

--- a/doc/xamarin android.pptx
+++ b/doc/xamarin android.pptx
@@ -189,7 +189,7 @@
             <a:fld id="{530820CF-B880-4189-942D-D702A7CBA730}" type="datetimeFigureOut">
               <a:rPr lang="zh-CN" altLang="en-US" smtClean="0"/>
               <a:pPr/>
-              <a:t>2016/1/7</a:t>
+              <a:t>2016/2/18</a:t>
             </a:fld>
             <a:endParaRPr lang="zh-CN" altLang="en-US"/>
           </a:p>
@@ -908,7 +908,7 @@
             <a:fld id="{530820CF-B880-4189-942D-D702A7CBA730}" type="datetimeFigureOut">
               <a:rPr lang="zh-CN" altLang="en-US" smtClean="0"/>
               <a:pPr/>
-              <a:t>2016/1/7</a:t>
+              <a:t>2016/2/18</a:t>
             </a:fld>
             <a:endParaRPr lang="zh-CN" altLang="en-US"/>
           </a:p>
@@ -1095,7 +1095,7 @@
             <a:fld id="{530820CF-B880-4189-942D-D702A7CBA730}" type="datetimeFigureOut">
               <a:rPr lang="zh-CN" altLang="en-US" smtClean="0"/>
               <a:pPr/>
-              <a:t>2016/1/7</a:t>
+              <a:t>2016/2/18</a:t>
             </a:fld>
             <a:endParaRPr lang="zh-CN" altLang="en-US"/>
           </a:p>
@@ -1272,7 +1272,7 @@
             <a:fld id="{530820CF-B880-4189-942D-D702A7CBA730}" type="datetimeFigureOut">
               <a:rPr lang="zh-CN" altLang="en-US" smtClean="0"/>
               <a:pPr/>
-              <a:t>2016/1/7</a:t>
+              <a:t>2016/2/18</a:t>
             </a:fld>
             <a:endParaRPr lang="zh-CN" altLang="en-US"/>
           </a:p>
@@ -2757,7 +2757,7 @@
             <a:fld id="{530820CF-B880-4189-942D-D702A7CBA730}" type="datetimeFigureOut">
               <a:rPr lang="zh-CN" altLang="en-US" smtClean="0"/>
               <a:pPr/>
-              <a:t>2016/1/7</a:t>
+              <a:t>2016/2/18</a:t>
             </a:fld>
             <a:endParaRPr lang="zh-CN" altLang="en-US"/>
           </a:p>
@@ -3359,7 +3359,7 @@
             <a:fld id="{530820CF-B880-4189-942D-D702A7CBA730}" type="datetimeFigureOut">
               <a:rPr lang="zh-CN" altLang="en-US" smtClean="0"/>
               <a:pPr/>
-              <a:t>2016/1/7</a:t>
+              <a:t>2016/2/18</a:t>
             </a:fld>
             <a:endParaRPr lang="zh-CN" altLang="en-US"/>
           </a:p>
@@ -3798,7 +3798,7 @@
             <a:fld id="{530820CF-B880-4189-942D-D702A7CBA730}" type="datetimeFigureOut">
               <a:rPr lang="zh-CN" altLang="en-US" smtClean="0"/>
               <a:pPr/>
-              <a:t>2016/1/7</a:t>
+              <a:t>2016/2/18</a:t>
             </a:fld>
             <a:endParaRPr lang="zh-CN" altLang="en-US"/>
           </a:p>
@@ -4361,7 +4361,7 @@
             <a:fld id="{530820CF-B880-4189-942D-D702A7CBA730}" type="datetimeFigureOut">
               <a:rPr lang="zh-CN" altLang="en-US" smtClean="0"/>
               <a:pPr/>
-              <a:t>2016/1/7</a:t>
+              <a:t>2016/2/18</a:t>
             </a:fld>
             <a:endParaRPr lang="zh-CN" altLang="en-US"/>
           </a:p>
@@ -4459,7 +4459,7 @@
             <a:fld id="{530820CF-B880-4189-942D-D702A7CBA730}" type="datetimeFigureOut">
               <a:rPr lang="zh-CN" altLang="en-US" smtClean="0"/>
               <a:pPr/>
-              <a:t>2016/1/7</a:t>
+              <a:t>2016/2/18</a:t>
             </a:fld>
             <a:endParaRPr lang="zh-CN" altLang="en-US"/>
           </a:p>
@@ -4715,7 +4715,7 @@
             <a:fld id="{530820CF-B880-4189-942D-D702A7CBA730}" type="datetimeFigureOut">
               <a:rPr lang="zh-CN" altLang="en-US" smtClean="0"/>
               <a:pPr/>
-              <a:t>2016/1/7</a:t>
+              <a:t>2016/2/18</a:t>
             </a:fld>
             <a:endParaRPr lang="zh-CN" altLang="en-US"/>
           </a:p>
@@ -5438,7 +5438,7 @@
             <a:fld id="{530820CF-B880-4189-942D-D702A7CBA730}" type="datetimeFigureOut">
               <a:rPr lang="zh-CN" altLang="en-US" smtClean="0"/>
               <a:pPr/>
-              <a:t>2016/1/7</a:t>
+              <a:t>2016/2/18</a:t>
             </a:fld>
             <a:endParaRPr lang="zh-CN" altLang="en-US"/>
           </a:p>
@@ -6113,7 +6113,7 @@
             <a:fld id="{530820CF-B880-4189-942D-D702A7CBA730}" type="datetimeFigureOut">
               <a:rPr lang="zh-CN" altLang="en-US" smtClean="0"/>
               <a:pPr/>
-              <a:t>2016/1/7</a:t>
+              <a:t>2016/2/18</a:t>
             </a:fld>
             <a:endParaRPr lang="zh-CN" altLang="en-US"/>
           </a:p>
@@ -6591,7 +6591,11 @@
           <a:p>
             <a:r>
               <a:rPr lang="en-US" altLang="zh-CN" dirty="0" smtClean="0"/>
-              <a:t>						2016-01-07</a:t>
+              <a:t>						</a:t>
+            </a:r>
+            <a:r>
+              <a:rPr lang="en-US" altLang="zh-CN" dirty="0" smtClean="0"/>
+              <a:t>2016-02-018</a:t>
             </a:r>
             <a:endParaRPr lang="zh-CN" altLang="en-US" dirty="0"/>
           </a:p>
@@ -7569,19 +7573,7 @@
             </a:pPr>
             <a:r>
               <a:rPr lang="en-US" altLang="zh-CN" dirty="0" smtClean="0"/>
-              <a:t>	</a:t>
-            </a:r>
-            <a:r>
-              <a:rPr lang="en-US" altLang="zh-CN" dirty="0" smtClean="0">
-                <a:solidFill>
-                  <a:srgbClr val="FF0000"/>
-                </a:solidFill>
-              </a:rPr>
-              <a:t>android:gravity= "right|center_vertica</a:t>
-            </a:r>
-            <a:r>
-              <a:rPr lang="en-US" altLang="zh-CN" dirty="0" smtClean="0"/>
-              <a:t>l"&gt;</a:t>
+              <a:t>	&gt;</a:t>
             </a:r>
           </a:p>
           <a:p>
@@ -7883,27 +7875,29 @@
           <a:p>
             <a:r>
               <a:rPr lang="en-US" altLang="zh-CN" dirty="0" smtClean="0"/>
-              <a:t>                                                    &lt;TableRow&gt;</a:t>
-            </a:r>
-          </a:p>
-          <a:p>
-            <a:r>
-              <a:rPr lang="en-US" altLang="zh-CN" dirty="0" smtClean="0"/>
-              <a:t>			&lt;!-- </a:t>
-            </a:r>
-            <a:r>
-              <a:rPr lang="zh-CN" altLang="en-US" dirty="0" smtClean="0"/>
-              <a:t>为该表格行添加三个按钮 </a:t>
-            </a:r>
-            <a:r>
-              <a:rPr lang="en-US" altLang="zh-CN" dirty="0" smtClean="0"/>
-              <a:t>--&gt;</a:t>
-            </a:r>
-          </a:p>
-          <a:p>
-            <a:r>
-              <a:rPr lang="en-US" altLang="zh-CN" dirty="0" smtClean="0"/>
-              <a:t>			&lt;Button android:id="@+id/ok2"</a:t>
+              <a:t>                                                    &lt;</a:t>
+            </a:r>
+            <a:r>
+              <a:rPr lang="en-US" altLang="zh-CN" dirty="0" err="1" smtClean="0"/>
+              <a:t>TableRow</a:t>
+            </a:r>
+            <a:r>
+              <a:rPr lang="en-US" altLang="zh-CN" dirty="0" smtClean="0"/>
+              <a:t>&gt;</a:t>
+            </a:r>
+          </a:p>
+          <a:p>
+            <a:r>
+              <a:rPr lang="en-US" altLang="zh-CN" dirty="0" smtClean="0"/>
+              <a:t>				&lt;Button </a:t>
+            </a:r>
+            <a:r>
+              <a:rPr lang="en-US" altLang="zh-CN" dirty="0" err="1" smtClean="0"/>
+              <a:t>android:id</a:t>
+            </a:r>
+            <a:r>
+              <a:rPr lang="en-US" altLang="zh-CN" dirty="0" smtClean="0"/>
+              <a:t>="@+id/ok2"</a:t>
             </a:r>
           </a:p>
           <a:p>
@@ -11848,10 +11842,9 @@
             </a:r>
           </a:p>
           <a:p>
-            <a:r>
-              <a:rPr lang="en-US" altLang="zh-CN" dirty="0" smtClean="0"/>
-              <a:t>Configuration</a:t>
-            </a:r>
+            <a:pPr marL="68580" indent="0">
+              <a:buNone/>
+            </a:pPr>
             <a:endParaRPr lang="zh-CN" altLang="en-US" dirty="0"/>
           </a:p>
         </p:txBody>

--- a/doc/xamarin android.pptx
+++ b/doc/xamarin android.pptx
@@ -6595,7 +6595,7 @@
             </a:r>
             <a:r>
               <a:rPr lang="en-US" altLang="zh-CN" dirty="0" smtClean="0"/>
-              <a:t>2016-02-018</a:t>
+              <a:t>2016-02-18</a:t>
             </a:r>
             <a:endParaRPr lang="zh-CN" altLang="en-US" dirty="0"/>
           </a:p>
